--- a/00 Doc/Presentation.pptx
+++ b/00 Doc/Presentation.pptx
@@ -10164,12 +10164,14 @@
         </p:nvSpPr>
         <p:spPr/>
         <p:txBody>
-          <a:bodyPr/>
+          <a:bodyPr>
+            <a:normAutofit fontScale="90000"/>
+          </a:bodyPr>
           <a:lstStyle/>
           <a:p>
             <a:r>
               <a:rPr lang="en-US" dirty="0" smtClean="0"/>
-              <a:t>Visualization 1</a:t>
+              <a:t>Sleep Quality vs Sleep Location/Length</a:t>
             </a:r>
             <a:endParaRPr lang="en-US" dirty="0"/>
           </a:p>
@@ -10317,12 +10319,14 @@
         </p:nvSpPr>
         <p:spPr/>
         <p:txBody>
-          <a:bodyPr/>
-          <a:lstStyle/>
-          <a:p>
-            <a:r>
-              <a:rPr lang="en-US" dirty="0" smtClean="0"/>
-              <a:t>Visualization 1</a:t>
+          <a:bodyPr>
+            <a:normAutofit fontScale="90000"/>
+          </a:bodyPr>
+          <a:lstStyle/>
+          <a:p>
+            <a:r>
+              <a:rPr lang="en-US" dirty="0"/>
+              <a:t>Sleep Quality vs Sleep Location/Length</a:t>
             </a:r>
             <a:endParaRPr lang="en-US" dirty="0"/>
           </a:p>
@@ -10513,12 +10517,14 @@
         </p:nvSpPr>
         <p:spPr/>
         <p:txBody>
-          <a:bodyPr/>
-          <a:lstStyle/>
-          <a:p>
-            <a:r>
-              <a:rPr lang="en-US" dirty="0" smtClean="0"/>
-              <a:t>Visualization 1</a:t>
+          <a:bodyPr>
+            <a:normAutofit fontScale="90000"/>
+          </a:bodyPr>
+          <a:lstStyle/>
+          <a:p>
+            <a:r>
+              <a:rPr lang="en-US" dirty="0"/>
+              <a:t>Sleep Quality vs Sleep Location/Length</a:t>
             </a:r>
             <a:endParaRPr lang="en-US" dirty="0"/>
           </a:p>
@@ -10753,12 +10759,14 @@
         </p:nvSpPr>
         <p:spPr/>
         <p:txBody>
-          <a:bodyPr/>
-          <a:lstStyle/>
-          <a:p>
-            <a:r>
-              <a:rPr lang="en-US" dirty="0" smtClean="0"/>
-              <a:t>Visualization 1</a:t>
+          <a:bodyPr>
+            <a:normAutofit fontScale="90000"/>
+          </a:bodyPr>
+          <a:lstStyle/>
+          <a:p>
+            <a:r>
+              <a:rPr lang="en-US" dirty="0"/>
+              <a:t>Sleep Quality vs Sleep Location/Length</a:t>
             </a:r>
             <a:endParaRPr lang="en-US" dirty="0"/>
           </a:p>
@@ -10973,12 +10981,14 @@
         </p:nvSpPr>
         <p:spPr/>
         <p:txBody>
-          <a:bodyPr/>
-          <a:lstStyle/>
-          <a:p>
-            <a:r>
-              <a:rPr lang="en-US" dirty="0" smtClean="0"/>
-              <a:t>Visualization 1</a:t>
+          <a:bodyPr>
+            <a:normAutofit fontScale="90000"/>
+          </a:bodyPr>
+          <a:lstStyle/>
+          <a:p>
+            <a:r>
+              <a:rPr lang="en-US" dirty="0"/>
+              <a:t>Sleep Quality vs Sleep Location/Length</a:t>
             </a:r>
             <a:endParaRPr lang="en-US" dirty="0"/>
           </a:p>
@@ -11213,12 +11223,14 @@
         </p:nvSpPr>
         <p:spPr/>
         <p:txBody>
-          <a:bodyPr/>
-          <a:lstStyle/>
-          <a:p>
-            <a:r>
-              <a:rPr lang="en-US" dirty="0" smtClean="0"/>
-              <a:t>Visualization 1</a:t>
+          <a:bodyPr>
+            <a:normAutofit fontScale="90000"/>
+          </a:bodyPr>
+          <a:lstStyle/>
+          <a:p>
+            <a:r>
+              <a:rPr lang="en-US" dirty="0"/>
+              <a:t>Sleep Quality vs Sleep Location/Length</a:t>
             </a:r>
             <a:endParaRPr lang="en-US" dirty="0"/>
           </a:p>
@@ -11620,12 +11632,14 @@
         </p:nvSpPr>
         <p:spPr/>
         <p:txBody>
-          <a:bodyPr/>
-          <a:lstStyle/>
-          <a:p>
-            <a:r>
-              <a:rPr lang="en-US" dirty="0" smtClean="0"/>
-              <a:t>Visualization 1</a:t>
+          <a:bodyPr>
+            <a:normAutofit fontScale="90000"/>
+          </a:bodyPr>
+          <a:lstStyle/>
+          <a:p>
+            <a:r>
+              <a:rPr lang="en-US" dirty="0"/>
+              <a:t>Sleep Quality vs Sleep Location/Length</a:t>
             </a:r>
             <a:endParaRPr lang="en-US" dirty="0"/>
           </a:p>
@@ -12100,12 +12114,14 @@
         </p:nvSpPr>
         <p:spPr/>
         <p:txBody>
-          <a:bodyPr/>
-          <a:lstStyle/>
-          <a:p>
-            <a:r>
-              <a:rPr lang="en-US" dirty="0" smtClean="0"/>
-              <a:t>Visualization 1</a:t>
+          <a:bodyPr>
+            <a:normAutofit fontScale="90000"/>
+          </a:bodyPr>
+          <a:lstStyle/>
+          <a:p>
+            <a:r>
+              <a:rPr lang="en-US" dirty="0"/>
+              <a:t>Sleep Quality vs Sleep Location/Length</a:t>
             </a:r>
             <a:endParaRPr lang="en-US" dirty="0"/>
           </a:p>
@@ -12340,12 +12356,14 @@
         </p:nvSpPr>
         <p:spPr/>
         <p:txBody>
-          <a:bodyPr/>
-          <a:lstStyle/>
-          <a:p>
-            <a:r>
-              <a:rPr lang="en-US" dirty="0" smtClean="0"/>
-              <a:t>Visualization 1</a:t>
+          <a:bodyPr>
+            <a:normAutofit fontScale="90000"/>
+          </a:bodyPr>
+          <a:lstStyle/>
+          <a:p>
+            <a:r>
+              <a:rPr lang="en-US" dirty="0"/>
+              <a:t>Sleep Quality vs Sleep Location/Length</a:t>
             </a:r>
             <a:endParaRPr lang="en-US" dirty="0"/>
           </a:p>
@@ -12560,12 +12578,14 @@
         </p:nvSpPr>
         <p:spPr/>
         <p:txBody>
-          <a:bodyPr/>
-          <a:lstStyle/>
-          <a:p>
-            <a:r>
-              <a:rPr lang="en-US" dirty="0" smtClean="0"/>
-              <a:t>Visualization 1</a:t>
+          <a:bodyPr>
+            <a:normAutofit fontScale="90000"/>
+          </a:bodyPr>
+          <a:lstStyle/>
+          <a:p>
+            <a:r>
+              <a:rPr lang="en-US" dirty="0"/>
+              <a:t>Sleep Quality vs Sleep Location/Length</a:t>
             </a:r>
             <a:endParaRPr lang="en-US" dirty="0"/>
           </a:p>
@@ -12780,12 +12800,14 @@
         </p:nvSpPr>
         <p:spPr/>
         <p:txBody>
-          <a:bodyPr/>
-          <a:lstStyle/>
-          <a:p>
-            <a:r>
-              <a:rPr lang="en-US" dirty="0" smtClean="0"/>
-              <a:t>Visualization 1</a:t>
+          <a:bodyPr>
+            <a:normAutofit fontScale="90000"/>
+          </a:bodyPr>
+          <a:lstStyle/>
+          <a:p>
+            <a:r>
+              <a:rPr lang="en-US" dirty="0"/>
+              <a:t>Sleep Quality vs Sleep Location/Length</a:t>
             </a:r>
             <a:endParaRPr lang="en-US" dirty="0"/>
           </a:p>
@@ -13068,12 +13090,14 @@
         </p:nvSpPr>
         <p:spPr/>
         <p:txBody>
-          <a:bodyPr/>
-          <a:lstStyle/>
-          <a:p>
-            <a:r>
-              <a:rPr lang="en-US" dirty="0" smtClean="0"/>
-              <a:t>Visualization 1</a:t>
+          <a:bodyPr>
+            <a:normAutofit fontScale="90000"/>
+          </a:bodyPr>
+          <a:lstStyle/>
+          <a:p>
+            <a:r>
+              <a:rPr lang="en-US" dirty="0"/>
+              <a:t>Sleep Quality vs Sleep Location/Length</a:t>
             </a:r>
             <a:endParaRPr lang="en-US" dirty="0"/>
           </a:p>
@@ -13283,12 +13307,14 @@
         </p:nvSpPr>
         <p:spPr/>
         <p:txBody>
-          <a:bodyPr/>
-          <a:lstStyle/>
-          <a:p>
-            <a:r>
-              <a:rPr lang="en-US" dirty="0" smtClean="0"/>
-              <a:t>Visualization 1</a:t>
+          <a:bodyPr>
+            <a:normAutofit fontScale="90000"/>
+          </a:bodyPr>
+          <a:lstStyle/>
+          <a:p>
+            <a:r>
+              <a:rPr lang="en-US" dirty="0"/>
+              <a:t>Sleep Quality vs Sleep Location/Length</a:t>
             </a:r>
             <a:endParaRPr lang="en-US" dirty="0"/>
           </a:p>
@@ -13498,12 +13524,14 @@
         </p:nvSpPr>
         <p:spPr/>
         <p:txBody>
-          <a:bodyPr/>
-          <a:lstStyle/>
-          <a:p>
-            <a:r>
-              <a:rPr lang="en-US" dirty="0" smtClean="0"/>
-              <a:t>Visualization 1</a:t>
+          <a:bodyPr>
+            <a:normAutofit fontScale="90000"/>
+          </a:bodyPr>
+          <a:lstStyle/>
+          <a:p>
+            <a:r>
+              <a:rPr lang="en-US" dirty="0"/>
+              <a:t>Sleep Quality vs Sleep Location/Length</a:t>
             </a:r>
             <a:endParaRPr lang="en-US" dirty="0"/>
           </a:p>
@@ -13786,12 +13814,14 @@
         </p:nvSpPr>
         <p:spPr/>
         <p:txBody>
-          <a:bodyPr/>
-          <a:lstStyle/>
-          <a:p>
-            <a:r>
-              <a:rPr lang="en-US" dirty="0" smtClean="0"/>
-              <a:t>Visualization 1</a:t>
+          <a:bodyPr>
+            <a:normAutofit fontScale="90000"/>
+          </a:bodyPr>
+          <a:lstStyle/>
+          <a:p>
+            <a:r>
+              <a:rPr lang="en-US" dirty="0"/>
+              <a:t>Sleep Quality vs Sleep Location/Length</a:t>
             </a:r>
             <a:endParaRPr lang="en-US" dirty="0"/>
           </a:p>
@@ -14123,14 +14153,16 @@
         </p:nvSpPr>
         <p:spPr/>
         <p:txBody>
-          <a:bodyPr/>
-          <a:lstStyle/>
-          <a:p>
-            <a:r>
-              <a:rPr lang="en-US" dirty="0" smtClean="0"/>
-              <a:t>Visualization 2</a:t>
-            </a:r>
-            <a:endParaRPr lang="en-US" dirty="0"/>
+          <a:bodyPr>
+            <a:normAutofit/>
+          </a:bodyPr>
+          <a:lstStyle/>
+          <a:p>
+            <a:r>
+              <a:rPr lang="en-US" sz="3600" dirty="0" smtClean="0"/>
+              <a:t>Caffeine Amount vs Start/End Alertness</a:t>
+            </a:r>
+            <a:endParaRPr lang="en-US" sz="3600" dirty="0"/>
           </a:p>
         </p:txBody>
       </p:sp>
@@ -14275,14 +14307,16 @@
         </p:nvSpPr>
         <p:spPr/>
         <p:txBody>
-          <a:bodyPr/>
-          <a:lstStyle/>
-          <a:p>
-            <a:r>
-              <a:rPr lang="en-US" dirty="0" smtClean="0"/>
-              <a:t>Visualization 2</a:t>
-            </a:r>
-            <a:endParaRPr lang="en-US" dirty="0"/>
+          <a:bodyPr>
+            <a:normAutofit/>
+          </a:bodyPr>
+          <a:lstStyle/>
+          <a:p>
+            <a:r>
+              <a:rPr lang="en-US" sz="3600" dirty="0"/>
+              <a:t>Caffeine Amount vs Start/End Alertness</a:t>
+            </a:r>
+            <a:endParaRPr lang="en-US" sz="3600" dirty="0"/>
           </a:p>
         </p:txBody>
       </p:sp>
@@ -14471,14 +14505,16 @@
         </p:nvSpPr>
         <p:spPr/>
         <p:txBody>
-          <a:bodyPr/>
-          <a:lstStyle/>
-          <a:p>
-            <a:r>
-              <a:rPr lang="en-US" dirty="0" smtClean="0"/>
-              <a:t>Visualization 2</a:t>
-            </a:r>
-            <a:endParaRPr lang="en-US" dirty="0"/>
+          <a:bodyPr>
+            <a:normAutofit/>
+          </a:bodyPr>
+          <a:lstStyle/>
+          <a:p>
+            <a:r>
+              <a:rPr lang="en-US" sz="3600" dirty="0"/>
+              <a:t>Caffeine Amount vs Start/End Alertness</a:t>
+            </a:r>
+            <a:endParaRPr lang="en-US" sz="3600" dirty="0"/>
           </a:p>
         </p:txBody>
       </p:sp>
@@ -14711,14 +14747,16 @@
         </p:nvSpPr>
         <p:spPr/>
         <p:txBody>
-          <a:bodyPr/>
-          <a:lstStyle/>
-          <a:p>
-            <a:r>
-              <a:rPr lang="en-US" dirty="0" smtClean="0"/>
-              <a:t>Visualization 2</a:t>
-            </a:r>
-            <a:endParaRPr lang="en-US" dirty="0"/>
+          <a:bodyPr>
+            <a:normAutofit/>
+          </a:bodyPr>
+          <a:lstStyle/>
+          <a:p>
+            <a:r>
+              <a:rPr lang="en-US" sz="3600" dirty="0"/>
+              <a:t>Caffeine Amount vs Start/End Alertness</a:t>
+            </a:r>
+            <a:endParaRPr lang="en-US" sz="3600" dirty="0"/>
           </a:p>
         </p:txBody>
       </p:sp>
@@ -14951,14 +14989,16 @@
         </p:nvSpPr>
         <p:spPr/>
         <p:txBody>
-          <a:bodyPr/>
-          <a:lstStyle/>
-          <a:p>
-            <a:r>
-              <a:rPr lang="en-US" dirty="0" smtClean="0"/>
-              <a:t>Visualization 2</a:t>
-            </a:r>
-            <a:endParaRPr lang="en-US" dirty="0"/>
+          <a:bodyPr>
+            <a:normAutofit/>
+          </a:bodyPr>
+          <a:lstStyle/>
+          <a:p>
+            <a:r>
+              <a:rPr lang="en-US" sz="3600" dirty="0"/>
+              <a:t>Caffeine Amount vs Start/End Alertness</a:t>
+            </a:r>
+            <a:endParaRPr lang="en-US" sz="3600" dirty="0"/>
           </a:p>
         </p:txBody>
       </p:sp>
@@ -15191,14 +15231,16 @@
         </p:nvSpPr>
         <p:spPr/>
         <p:txBody>
-          <a:bodyPr/>
-          <a:lstStyle/>
-          <a:p>
-            <a:r>
-              <a:rPr lang="en-US" dirty="0" smtClean="0"/>
-              <a:t>Visualization 2</a:t>
-            </a:r>
-            <a:endParaRPr lang="en-US" dirty="0"/>
+          <a:bodyPr>
+            <a:normAutofit/>
+          </a:bodyPr>
+          <a:lstStyle/>
+          <a:p>
+            <a:r>
+              <a:rPr lang="en-US" sz="3600" dirty="0"/>
+              <a:t>Caffeine Amount vs Start/End Alertness</a:t>
+            </a:r>
+            <a:endParaRPr lang="en-US" sz="3600" dirty="0"/>
           </a:p>
         </p:txBody>
       </p:sp>
@@ -15431,14 +15473,16 @@
         </p:nvSpPr>
         <p:spPr/>
         <p:txBody>
-          <a:bodyPr/>
-          <a:lstStyle/>
-          <a:p>
-            <a:r>
-              <a:rPr lang="en-US" dirty="0" smtClean="0"/>
-              <a:t>Visualization 2</a:t>
-            </a:r>
-            <a:endParaRPr lang="en-US" dirty="0"/>
+          <a:bodyPr>
+            <a:normAutofit/>
+          </a:bodyPr>
+          <a:lstStyle/>
+          <a:p>
+            <a:r>
+              <a:rPr lang="en-US" sz="3600" dirty="0"/>
+              <a:t>Caffeine Amount vs Start/End Alertness</a:t>
+            </a:r>
+            <a:endParaRPr lang="en-US" sz="3600" dirty="0"/>
           </a:p>
         </p:txBody>
       </p:sp>
@@ -15671,14 +15715,16 @@
         </p:nvSpPr>
         <p:spPr/>
         <p:txBody>
-          <a:bodyPr/>
-          <a:lstStyle/>
-          <a:p>
-            <a:r>
-              <a:rPr lang="en-US" dirty="0" smtClean="0"/>
-              <a:t>Visualization 2</a:t>
-            </a:r>
-            <a:endParaRPr lang="en-US" dirty="0"/>
+          <a:bodyPr>
+            <a:normAutofit/>
+          </a:bodyPr>
+          <a:lstStyle/>
+          <a:p>
+            <a:r>
+              <a:rPr lang="en-US" sz="3600" dirty="0"/>
+              <a:t>Caffeine Amount vs Start/End Alertness</a:t>
+            </a:r>
+            <a:endParaRPr lang="en-US" sz="3600" dirty="0"/>
           </a:p>
         </p:txBody>
       </p:sp>
@@ -15925,14 +15971,16 @@
         </p:nvSpPr>
         <p:spPr/>
         <p:txBody>
-          <a:bodyPr/>
-          <a:lstStyle/>
-          <a:p>
-            <a:r>
-              <a:rPr lang="en-US" dirty="0" smtClean="0"/>
-              <a:t>Visualization 2</a:t>
-            </a:r>
-            <a:endParaRPr lang="en-US" dirty="0"/>
+          <a:bodyPr>
+            <a:normAutofit/>
+          </a:bodyPr>
+          <a:lstStyle/>
+          <a:p>
+            <a:r>
+              <a:rPr lang="en-US" sz="3600" dirty="0"/>
+              <a:t>Caffeine Amount vs Start/End Alertness</a:t>
+            </a:r>
+            <a:endParaRPr lang="en-US" sz="3600" dirty="0"/>
           </a:p>
         </p:txBody>
       </p:sp>
@@ -16213,14 +16261,16 @@
         </p:nvSpPr>
         <p:spPr/>
         <p:txBody>
-          <a:bodyPr/>
-          <a:lstStyle/>
-          <a:p>
-            <a:r>
-              <a:rPr lang="en-US" dirty="0" smtClean="0"/>
-              <a:t>Visualization 2</a:t>
-            </a:r>
-            <a:endParaRPr lang="en-US" dirty="0"/>
+          <a:bodyPr>
+            <a:normAutofit/>
+          </a:bodyPr>
+          <a:lstStyle/>
+          <a:p>
+            <a:r>
+              <a:rPr lang="en-US" sz="3600" dirty="0"/>
+              <a:t>Caffeine Amount vs Start/End Alertness</a:t>
+            </a:r>
+            <a:endParaRPr lang="en-US" sz="3600" dirty="0"/>
           </a:p>
         </p:txBody>
       </p:sp>
@@ -16600,14 +16650,16 @@
         </p:nvSpPr>
         <p:spPr/>
         <p:txBody>
-          <a:bodyPr/>
-          <a:lstStyle/>
-          <a:p>
-            <a:r>
-              <a:rPr lang="en-US" dirty="0" smtClean="0"/>
-              <a:t>Visualization 2</a:t>
-            </a:r>
-            <a:endParaRPr lang="en-US" dirty="0"/>
+          <a:bodyPr>
+            <a:normAutofit/>
+          </a:bodyPr>
+          <a:lstStyle/>
+          <a:p>
+            <a:r>
+              <a:rPr lang="en-US" sz="3600" dirty="0"/>
+              <a:t>Caffeine Amount vs Start/End Alertness</a:t>
+            </a:r>
+            <a:endParaRPr lang="en-US" sz="3600" dirty="0"/>
           </a:p>
         </p:txBody>
       </p:sp>
@@ -16820,14 +16872,16 @@
         </p:nvSpPr>
         <p:spPr/>
         <p:txBody>
-          <a:bodyPr/>
-          <a:lstStyle/>
-          <a:p>
-            <a:r>
-              <a:rPr lang="en-US" dirty="0" smtClean="0"/>
-              <a:t>Visualization 2</a:t>
-            </a:r>
-            <a:endParaRPr lang="en-US" dirty="0"/>
+          <a:bodyPr>
+            <a:normAutofit/>
+          </a:bodyPr>
+          <a:lstStyle/>
+          <a:p>
+            <a:r>
+              <a:rPr lang="en-US" sz="3600" dirty="0"/>
+              <a:t>Caffeine Amount vs Start/End Alertness</a:t>
+            </a:r>
+            <a:endParaRPr lang="en-US" sz="3600" dirty="0"/>
           </a:p>
         </p:txBody>
       </p:sp>
@@ -17007,14 +17061,16 @@
         </p:nvSpPr>
         <p:spPr/>
         <p:txBody>
-          <a:bodyPr/>
-          <a:lstStyle/>
-          <a:p>
-            <a:r>
-              <a:rPr lang="en-US" dirty="0" smtClean="0"/>
-              <a:t>Visualization 2</a:t>
-            </a:r>
-            <a:endParaRPr lang="en-US" dirty="0"/>
+          <a:bodyPr>
+            <a:normAutofit/>
+          </a:bodyPr>
+          <a:lstStyle/>
+          <a:p>
+            <a:r>
+              <a:rPr lang="en-US" sz="3600" dirty="0"/>
+              <a:t>Caffeine Amount vs Start/End Alertness</a:t>
+            </a:r>
+            <a:endParaRPr lang="en-US" sz="3600" dirty="0"/>
           </a:p>
         </p:txBody>
       </p:sp>
@@ -17169,7 +17225,7 @@
           <a:p>
             <a:r>
               <a:rPr lang="en-US" dirty="0" smtClean="0"/>
-              <a:t>Visualization 3</a:t>
+              <a:t>Years in Present Job vs Stress</a:t>
             </a:r>
             <a:endParaRPr lang="en-US" dirty="0"/>
           </a:p>
@@ -17394,8 +17450,8 @@
           <a:lstStyle/>
           <a:p>
             <a:r>
-              <a:rPr lang="en-US" dirty="0" smtClean="0"/>
-              <a:t>Visualization 3</a:t>
+              <a:rPr lang="en-US" dirty="0"/>
+              <a:t>Years in Present Job vs Stress</a:t>
             </a:r>
             <a:endParaRPr lang="en-US" dirty="0"/>
           </a:p>
@@ -17590,8 +17646,8 @@
           <a:lstStyle/>
           <a:p>
             <a:r>
-              <a:rPr lang="en-US" dirty="0" smtClean="0"/>
-              <a:t>Visualization 3</a:t>
+              <a:rPr lang="en-US" dirty="0"/>
+              <a:t>Years in Present Job vs Stress</a:t>
             </a:r>
             <a:endParaRPr lang="en-US" dirty="0"/>
           </a:p>
@@ -17922,8 +17978,8 @@
           <a:lstStyle/>
           <a:p>
             <a:r>
-              <a:rPr lang="en-US" dirty="0" smtClean="0"/>
-              <a:t>Visualization 3</a:t>
+              <a:rPr lang="en-US" dirty="0"/>
+              <a:t>Years in Present Job vs Stress</a:t>
             </a:r>
             <a:endParaRPr lang="en-US" dirty="0"/>
           </a:p>
@@ -18162,8 +18218,8 @@
           <a:lstStyle/>
           <a:p>
             <a:r>
-              <a:rPr lang="en-US" dirty="0" smtClean="0"/>
-              <a:t>Visualization 3</a:t>
+              <a:rPr lang="en-US" dirty="0"/>
+              <a:t>Years in Present Job vs Stress</a:t>
             </a:r>
             <a:endParaRPr lang="en-US" dirty="0"/>
           </a:p>
@@ -18388,8 +18444,8 @@
           <a:lstStyle/>
           <a:p>
             <a:r>
-              <a:rPr lang="en-US" dirty="0" smtClean="0"/>
-              <a:t>Visualization 3</a:t>
+              <a:rPr lang="en-US" dirty="0"/>
+              <a:t>Years in Present Job vs Stress</a:t>
             </a:r>
             <a:endParaRPr lang="en-US" dirty="0"/>
           </a:p>
@@ -18614,8 +18670,8 @@
           <a:lstStyle/>
           <a:p>
             <a:r>
-              <a:rPr lang="en-US" dirty="0" smtClean="0"/>
-              <a:t>Visualization 3</a:t>
+              <a:rPr lang="en-US" dirty="0"/>
+              <a:t>Years in Present Job vs Stress</a:t>
             </a:r>
             <a:endParaRPr lang="en-US" dirty="0"/>
           </a:p>
@@ -19046,8 +19102,8 @@
           <a:lstStyle/>
           <a:p>
             <a:r>
-              <a:rPr lang="en-US" dirty="0" smtClean="0"/>
-              <a:t>Visualization 3</a:t>
+              <a:rPr lang="en-US" dirty="0"/>
+              <a:t>Years in Present Job vs Stress</a:t>
             </a:r>
             <a:endParaRPr lang="en-US" dirty="0"/>
           </a:p>
@@ -19298,7 +19354,7 @@
           <a:p>
             <a:r>
               <a:rPr lang="en-US" dirty="0" smtClean="0"/>
-              <a:t>Visualization 4</a:t>
+              <a:t>Age vs Weekly Work Hours</a:t>
             </a:r>
             <a:endParaRPr lang="en-US" dirty="0"/>
           </a:p>
@@ -19416,8 +19472,8 @@
           <a:lstStyle/>
           <a:p>
             <a:r>
-              <a:rPr lang="en-US" dirty="0" smtClean="0"/>
-              <a:t>Visualization 4</a:t>
+              <a:rPr lang="en-US" dirty="0"/>
+              <a:t>Age vs Weekly Work Hours</a:t>
             </a:r>
             <a:endParaRPr lang="en-US" dirty="0"/>
           </a:p>
@@ -19612,8 +19668,8 @@
           <a:lstStyle/>
           <a:p>
             <a:r>
-              <a:rPr lang="en-US" dirty="0" smtClean="0"/>
-              <a:t>Visualization 4</a:t>
+              <a:rPr lang="en-US" dirty="0"/>
+              <a:t>Age vs Weekly Work Hours</a:t>
             </a:r>
             <a:endParaRPr lang="en-US" dirty="0"/>
           </a:p>
@@ -19808,8 +19864,8 @@
           <a:lstStyle/>
           <a:p>
             <a:r>
-              <a:rPr lang="en-US" dirty="0" smtClean="0"/>
-              <a:t>Visualization 4</a:t>
+              <a:rPr lang="en-US" dirty="0"/>
+              <a:t>Age vs Weekly Work Hours</a:t>
             </a:r>
             <a:endParaRPr lang="en-US" dirty="0"/>
           </a:p>
@@ -20004,8 +20060,8 @@
           <a:lstStyle/>
           <a:p>
             <a:r>
-              <a:rPr lang="en-US" dirty="0" smtClean="0"/>
-              <a:t>Visualization 4</a:t>
+              <a:rPr lang="en-US" dirty="0"/>
+              <a:t>Age vs Weekly Work Hours</a:t>
             </a:r>
             <a:endParaRPr lang="en-US" dirty="0"/>
           </a:p>
@@ -20200,8 +20256,8 @@
           <a:lstStyle/>
           <a:p>
             <a:r>
-              <a:rPr lang="en-US" dirty="0" smtClean="0"/>
-              <a:t>Visualization 4</a:t>
+              <a:rPr lang="en-US" dirty="0"/>
+              <a:t>Age vs Weekly Work Hours</a:t>
             </a:r>
             <a:endParaRPr lang="en-US" dirty="0"/>
           </a:p>
@@ -20450,8 +20506,8 @@
           <a:lstStyle/>
           <a:p>
             <a:r>
-              <a:rPr lang="en-US" dirty="0" smtClean="0"/>
-              <a:t>Visualization 4</a:t>
+              <a:rPr lang="en-US" dirty="0"/>
+              <a:t>Age vs Weekly Work Hours</a:t>
             </a:r>
             <a:endParaRPr lang="en-US" dirty="0"/>
           </a:p>
@@ -20690,8 +20746,8 @@
           <a:lstStyle/>
           <a:p>
             <a:r>
-              <a:rPr lang="en-US" dirty="0" smtClean="0"/>
-              <a:t>Visualization 4</a:t>
+              <a:rPr lang="en-US" dirty="0"/>
+              <a:t>Age vs Weekly Work Hours</a:t>
             </a:r>
             <a:endParaRPr lang="en-US" dirty="0"/>
           </a:p>
@@ -20886,8 +20942,8 @@
           <a:lstStyle/>
           <a:p>
             <a:r>
-              <a:rPr lang="en-US" dirty="0" smtClean="0"/>
-              <a:t>Visualization 4</a:t>
+              <a:rPr lang="en-US" dirty="0"/>
+              <a:t>Age vs Weekly Work Hours</a:t>
             </a:r>
             <a:endParaRPr lang="en-US" dirty="0"/>
           </a:p>
@@ -21246,8 +21302,8 @@
           <a:lstStyle/>
           <a:p>
             <a:r>
-              <a:rPr lang="en-US" dirty="0" smtClean="0"/>
-              <a:t>Visualization 4</a:t>
+              <a:rPr lang="en-US" dirty="0"/>
+              <a:t>Age vs Weekly Work Hours</a:t>
             </a:r>
             <a:endParaRPr lang="en-US" dirty="0"/>
           </a:p>

--- a/00 Doc/Presentation.pptx
+++ b/00 Doc/Presentation.pptx
@@ -17161,7 +17161,31 @@
                   <a:srgbClr val="FF0000"/>
                 </a:solidFill>
               </a:rPr>
-              <a:t>*1-3 cups of caffeine shows the highest average start/end alertness with the smallest drop in start to end alertness</a:t>
+              <a:t>*1-3 cups of caffeine shows the highest average start/end alertness with the </a:t>
+            </a:r>
+            <a:r>
+              <a:rPr lang="en-US" smtClean="0">
+                <a:solidFill>
+                  <a:srgbClr val="FF0000"/>
+                </a:solidFill>
+              </a:rPr>
+              <a:t>smallest </a:t>
+            </a:r>
+            <a:r>
+              <a:rPr lang="en-US" smtClean="0">
+                <a:solidFill>
+                  <a:srgbClr val="FF0000"/>
+                </a:solidFill>
+              </a:rPr>
+              <a:t>difference in </a:t>
+            </a:r>
+            <a:r>
+              <a:rPr lang="en-US" dirty="0" smtClean="0">
+                <a:solidFill>
+                  <a:srgbClr val="FF0000"/>
+                </a:solidFill>
+              </a:rPr>
+              <a:t>start to end alertness</a:t>
             </a:r>
             <a:endParaRPr lang="en-US" dirty="0">
               <a:solidFill>

--- a/00 Doc/Presentation.pptx
+++ b/00 Doc/Presentation.pptx
@@ -11874,12 +11874,14 @@
         </p:nvSpPr>
         <p:spPr/>
         <p:txBody>
-          <a:bodyPr/>
-          <a:lstStyle/>
-          <a:p>
-            <a:r>
-              <a:rPr lang="en-US" dirty="0" smtClean="0"/>
-              <a:t>Visualization 1</a:t>
+          <a:bodyPr>
+            <a:normAutofit fontScale="90000"/>
+          </a:bodyPr>
+          <a:lstStyle/>
+          <a:p>
+            <a:r>
+              <a:rPr lang="en-US" dirty="0"/>
+              <a:t>Sleep Quality vs Sleep Location/Length</a:t>
             </a:r>
             <a:endParaRPr lang="en-US" dirty="0"/>
           </a:p>
@@ -17161,18 +17163,10 @@
                   <a:srgbClr val="FF0000"/>
                 </a:solidFill>
               </a:rPr>
-              <a:t>*1-3 cups of caffeine shows the highest average start/end alertness with the </a:t>
-            </a:r>
-            <a:r>
-              <a:rPr lang="en-US" smtClean="0">
-                <a:solidFill>
-                  <a:srgbClr val="FF0000"/>
-                </a:solidFill>
-              </a:rPr>
-              <a:t>smallest </a:t>
-            </a:r>
-            <a:r>
-              <a:rPr lang="en-US" smtClean="0">
+              <a:t>*1-3 cups of caffeine shows the highest average start/end alertness with the smallest </a:t>
+            </a:r>
+            <a:r>
+              <a:rPr lang="en-US" dirty="0" smtClean="0">
                 <a:solidFill>
                   <a:srgbClr val="FF0000"/>
                 </a:solidFill>

--- a/00 Doc/Presentation.pptx
+++ b/00 Doc/Presentation.pptx
@@ -7488,6 +7488,154 @@
           </a:extLst>
         </p:spPr>
       </p:pic>
+      <p:cxnSp>
+        <p:nvCxnSpPr>
+          <p:cNvPr id="7" name="Straight Arrow Connector 6"/>
+          <p:cNvCxnSpPr/>
+          <p:nvPr/>
+        </p:nvCxnSpPr>
+        <p:spPr>
+          <a:xfrm flipH="1">
+            <a:off x="5181600" y="3009331"/>
+            <a:ext cx="685800" cy="0"/>
+          </a:xfrm>
+          <a:prstGeom prst="straightConnector1">
+            <a:avLst/>
+          </a:prstGeom>
+          <a:ln w="12700">
+            <a:solidFill>
+              <a:srgbClr val="FF0000"/>
+            </a:solidFill>
+            <a:tailEnd type="arrow"/>
+          </a:ln>
+        </p:spPr>
+        <p:style>
+          <a:lnRef idx="1">
+            <a:schemeClr val="accent1"/>
+          </a:lnRef>
+          <a:fillRef idx="0">
+            <a:schemeClr val="accent1"/>
+          </a:fillRef>
+          <a:effectRef idx="0">
+            <a:schemeClr val="accent1"/>
+          </a:effectRef>
+          <a:fontRef idx="minor">
+            <a:schemeClr val="tx1"/>
+          </a:fontRef>
+        </p:style>
+      </p:cxnSp>
+      <p:cxnSp>
+        <p:nvCxnSpPr>
+          <p:cNvPr id="9" name="Straight Arrow Connector 8"/>
+          <p:cNvCxnSpPr/>
+          <p:nvPr/>
+        </p:nvCxnSpPr>
+        <p:spPr>
+          <a:xfrm flipH="1">
+            <a:off x="6019800" y="6172200"/>
+            <a:ext cx="685800" cy="0"/>
+          </a:xfrm>
+          <a:prstGeom prst="straightConnector1">
+            <a:avLst/>
+          </a:prstGeom>
+          <a:ln w="12700">
+            <a:solidFill>
+              <a:srgbClr val="FF0000"/>
+            </a:solidFill>
+            <a:tailEnd type="arrow"/>
+          </a:ln>
+        </p:spPr>
+        <p:style>
+          <a:lnRef idx="1">
+            <a:schemeClr val="accent1"/>
+          </a:lnRef>
+          <a:fillRef idx="0">
+            <a:schemeClr val="accent1"/>
+          </a:fillRef>
+          <a:effectRef idx="0">
+            <a:schemeClr val="accent1"/>
+          </a:effectRef>
+          <a:fontRef idx="minor">
+            <a:schemeClr val="tx1"/>
+          </a:fontRef>
+        </p:style>
+      </p:cxnSp>
+      <p:sp>
+        <p:nvSpPr>
+          <p:cNvPr id="8" name="TextBox 7"/>
+          <p:cNvSpPr txBox="1"/>
+          <p:nvPr/>
+        </p:nvSpPr>
+        <p:spPr>
+          <a:xfrm>
+            <a:off x="6172200" y="2855442"/>
+            <a:ext cx="762000" cy="307777"/>
+          </a:xfrm>
+          <a:prstGeom prst="rect">
+            <a:avLst/>
+          </a:prstGeom>
+          <a:noFill/>
+        </p:spPr>
+        <p:txBody>
+          <a:bodyPr wrap="square" rtlCol="0">
+            <a:spAutoFit/>
+          </a:bodyPr>
+          <a:lstStyle/>
+          <a:p>
+            <a:r>
+              <a:rPr lang="en-US" sz="1400" dirty="0" smtClean="0">
+                <a:solidFill>
+                  <a:srgbClr val="FF0000"/>
+                </a:solidFill>
+              </a:rPr>
+              <a:t>Limbo</a:t>
+            </a:r>
+            <a:endParaRPr lang="en-US" sz="1400" dirty="0">
+              <a:solidFill>
+                <a:srgbClr val="FF0000"/>
+              </a:solidFill>
+            </a:endParaRPr>
+          </a:p>
+        </p:txBody>
+      </p:sp>
+      <p:sp>
+        <p:nvSpPr>
+          <p:cNvPr id="11" name="TextBox 10"/>
+          <p:cNvSpPr txBox="1"/>
+          <p:nvPr/>
+        </p:nvSpPr>
+        <p:spPr>
+          <a:xfrm>
+            <a:off x="6781800" y="6018311"/>
+            <a:ext cx="1524000" cy="307777"/>
+          </a:xfrm>
+          <a:prstGeom prst="rect">
+            <a:avLst/>
+          </a:prstGeom>
+          <a:noFill/>
+        </p:spPr>
+        <p:txBody>
+          <a:bodyPr wrap="square" rtlCol="0">
+            <a:spAutoFit/>
+          </a:bodyPr>
+          <a:lstStyle/>
+          <a:p>
+            <a:r>
+              <a:rPr lang="en-US" sz="1400" dirty="0" smtClean="0">
+                <a:solidFill>
+                  <a:srgbClr val="FF0000"/>
+                </a:solidFill>
+              </a:rPr>
+              <a:t>Personal Time</a:t>
+            </a:r>
+            <a:endParaRPr lang="en-US" sz="1400" dirty="0">
+              <a:solidFill>
+                <a:srgbClr val="FF0000"/>
+              </a:solidFill>
+            </a:endParaRPr>
+          </a:p>
+        </p:txBody>
+      </p:sp>
     </p:spTree>
     <p:extLst>
       <p:ext uri="{BB962C8B-B14F-4D97-AF65-F5344CB8AC3E}">
@@ -21716,7 +21864,19 @@
             <a:pPr marL="342900" lvl="1"/>
             <a:r>
               <a:rPr lang="en-US" sz="3000" dirty="0" smtClean="0"/>
-              <a:t>  (1-4, 1=poor, 4=excellent</a:t>
+              <a:t>  (</a:t>
+            </a:r>
+            <a:r>
+              <a:rPr lang="en-US" sz="3000" dirty="0" smtClean="0"/>
+              <a:t>1-5, </a:t>
+            </a:r>
+            <a:r>
+              <a:rPr lang="en-US" sz="3000" dirty="0" smtClean="0"/>
+              <a:t>1=poor, </a:t>
+            </a:r>
+            <a:r>
+              <a:rPr lang="en-US" sz="3000" dirty="0" smtClean="0"/>
+              <a:t>5=excellent</a:t>
             </a:r>
             <a:r>
               <a:rPr lang="en-US" sz="3000" dirty="0"/>
@@ -22166,6 +22326,52 @@
           </a:xfrm>
         </p:spPr>
       </p:pic>
+      <p:sp>
+        <p:nvSpPr>
+          <p:cNvPr id="4" name="Rectangle 3"/>
+          <p:cNvSpPr/>
+          <p:nvPr/>
+        </p:nvSpPr>
+        <p:spPr>
+          <a:xfrm>
+            <a:off x="260875" y="5638800"/>
+            <a:ext cx="1085850" cy="352425"/>
+          </a:xfrm>
+          <a:prstGeom prst="rect">
+            <a:avLst/>
+          </a:prstGeom>
+          <a:noFill/>
+          <a:ln w="28575">
+            <a:solidFill>
+              <a:srgbClr val="FF0000"/>
+            </a:solidFill>
+          </a:ln>
+        </p:spPr>
+        <p:style>
+          <a:lnRef idx="2">
+            <a:schemeClr val="accent1">
+              <a:shade val="50000"/>
+            </a:schemeClr>
+          </a:lnRef>
+          <a:fillRef idx="1">
+            <a:schemeClr val="accent1"/>
+          </a:fillRef>
+          <a:effectRef idx="0">
+            <a:schemeClr val="accent1"/>
+          </a:effectRef>
+          <a:fontRef idx="minor">
+            <a:schemeClr val="lt1"/>
+          </a:fontRef>
+        </p:style>
+        <p:txBody>
+          <a:bodyPr rtlCol="0" anchor="ctr"/>
+          <a:lstStyle/>
+          <a:p>
+            <a:pPr algn="ctr"/>
+            <a:endParaRPr lang="en-US" sz="2000" dirty="0"/>
+          </a:p>
+        </p:txBody>
+      </p:sp>
     </p:spTree>
     <p:extLst>
       <p:ext uri="{BB962C8B-B14F-4D97-AF65-F5344CB8AC3E}">
